--- a/präsentation 18.05/präsentation - 18.05 - less Animation.pptx
+++ b/präsentation 18.05/präsentation - 18.05 - less Animation.pptx
@@ -6870,7 +6870,7 @@
           <p:spPr bwMode="auto">
             <a:xfrm>
               <a:off x="1379" y="3709"/>
-              <a:ext cx="3420" cy="233"/>
+              <a:ext cx="3501" cy="233"/>
             </a:xfrm>
             <a:prstGeom prst="rect">
               <a:avLst/>
@@ -7044,7 +7044,7 @@
               </a:r>
               <a:r>
                 <a:rPr lang="de-DE" altLang="en-US" sz="1800" dirty="0"/>
-                <a:t> Neuronal Nets</a:t>
+                <a:t> Neuronale Nets</a:t>
               </a:r>
             </a:p>
           </p:txBody>
@@ -8601,12 +8601,12 @@
               <a:t>Teil der </a:t>
             </a:r>
             <a:r>
-              <a:rPr lang="de-DE" altLang="en-US" kern="0" dirty="0" err="1"/>
-              <a:t>MontiCar</a:t>
+              <a:rPr lang="de-DE" altLang="en-US" kern="0"/>
+              <a:t>MontiCar </a:t>
             </a:r>
             <a:r>
               <a:rPr lang="de-DE" altLang="en-US" kern="0" dirty="0"/>
-              <a:t> Sprachen Familie</a:t>
+              <a:t>Sprachen Familie</a:t>
             </a:r>
           </a:p>
           <a:p>
@@ -11663,7 +11663,7 @@
           <p:spPr bwMode="auto">
             <a:xfrm>
               <a:off x="1379" y="3709"/>
-              <a:ext cx="3420" cy="233"/>
+              <a:ext cx="3501" cy="233"/>
             </a:xfrm>
             <a:prstGeom prst="rect">
               <a:avLst/>
@@ -11837,7 +11837,7 @@
               </a:r>
               <a:r>
                 <a:rPr lang="de-DE" altLang="en-US" sz="1800" dirty="0"/>
-                <a:t> Neuronal Nets</a:t>
+                <a:t> Neuronale Nets</a:t>
               </a:r>
             </a:p>
           </p:txBody>
@@ -14640,7 +14640,7 @@
             </a:br>
             <a:r>
               <a:rPr lang="de-DE" altLang="en-US" dirty="0"/>
-              <a:t>Sind die Ergebnisse Reproduzierbar?</a:t>
+              <a:t>Sind die Ergebnisse reproduzierbar?</a:t>
             </a:r>
           </a:p>
           <a:p>
@@ -17709,7 +17709,7 @@
             <p:spPr bwMode="auto">
               <a:xfrm>
                 <a:off x="1379" y="3709"/>
-                <a:ext cx="3420" cy="233"/>
+                <a:ext cx="3501" cy="233"/>
               </a:xfrm>
               <a:prstGeom prst="rect">
                 <a:avLst/>
@@ -17883,7 +17883,7 @@
                 </a:r>
                 <a:r>
                   <a:rPr lang="de-DE" altLang="en-US" sz="1800" dirty="0"/>
-                  <a:t> Neuronal Nets</a:t>
+                  <a:t> Neuronale Nets</a:t>
                 </a:r>
               </a:p>
             </p:txBody>
@@ -28280,7 +28280,7 @@
           <p:spPr bwMode="auto">
             <a:xfrm>
               <a:off x="1379" y="3709"/>
-              <a:ext cx="3420" cy="233"/>
+              <a:ext cx="3501" cy="233"/>
             </a:xfrm>
             <a:prstGeom prst="rect">
               <a:avLst/>
@@ -28454,7 +28454,7 @@
               </a:r>
               <a:r>
                 <a:rPr lang="de-DE" altLang="en-US" sz="1800" dirty="0"/>
-                <a:t> Neuronal Nets</a:t>
+                <a:t> Neuronale Nets</a:t>
               </a:r>
             </a:p>
           </p:txBody>
@@ -34863,7 +34863,7 @@
           <p:spPr bwMode="auto">
             <a:xfrm>
               <a:off x="1379" y="3709"/>
-              <a:ext cx="3420" cy="233"/>
+              <a:ext cx="3501" cy="233"/>
             </a:xfrm>
             <a:prstGeom prst="rect">
               <a:avLst/>
@@ -35037,7 +35037,7 @@
               </a:r>
               <a:r>
                 <a:rPr lang="de-DE" altLang="en-US" sz="1800" dirty="0"/>
-                <a:t> Neuronal Nets</a:t>
+                <a:t> Neuronale Nets</a:t>
               </a:r>
             </a:p>
           </p:txBody>
